--- a/presentations/3_TensorFlow101_(basic_tensorflow).pptx
+++ b/presentations/3_TensorFlow101_(basic_tensorflow).pptx
@@ -3681,14 +3681,14 @@
       </p:sp>
       <p:sp>
         <p:nvSpPr>
-          <p:cNvPr id="3" name="직사각형 2"/>
+          <p:cNvPr id="4" name="직사각형 3"/>
           <p:cNvSpPr/>
           <p:nvPr/>
         </p:nvSpPr>
         <p:spPr>
           <a:xfrm>
-            <a:off x="1037492" y="4521314"/>
-            <a:ext cx="7042638" cy="707886"/>
+            <a:off x="1037492" y="4149080"/>
+            <a:ext cx="7042638" cy="954107"/>
           </a:xfrm>
           <a:prstGeom prst="rect">
             <a:avLst/>
@@ -3702,17 +3702,17 @@
           <a:p>
             <a:pPr algn="ctr"/>
             <a:r>
-              <a:rPr lang="en-US" altLang="ko-KR" sz="2000" b="1" dirty="0" smtClean="0"/>
+              <a:rPr lang="en-US" altLang="ko-KR" sz="2800" b="1" dirty="0" smtClean="0"/>
               <a:t>Sungjoon Choi</a:t>
             </a:r>
           </a:p>
           <a:p>
             <a:pPr algn="ctr"/>
             <a:r>
-              <a:rPr lang="en-US" altLang="ko-KR" sz="2000" b="1" dirty="0" smtClean="0"/>
+              <a:rPr lang="en-US" altLang="ko-KR" sz="2800" b="1" dirty="0" smtClean="0"/>
               <a:t>(sungjoon.choi@cpslab.snu.ac.kr)</a:t>
             </a:r>
-            <a:endParaRPr lang="ko-KR" altLang="en-US" sz="2000" dirty="0"/>
+            <a:endParaRPr lang="ko-KR" altLang="en-US" sz="2800" dirty="0"/>
           </a:p>
         </p:txBody>
       </p:sp>
